--- a/Katelyn/Dashboard_Blueprint.pptx
+++ b/Katelyn/Dashboard_Blueprint.pptx
@@ -5,7 +5,7 @@
     <p:sldMasterId id="2147483659" r:id="rId1"/>
   </p:sldMasterIdLst>
   <p:notesMasterIdLst>
-    <p:notesMasterId r:id="rId8"/>
+    <p:notesMasterId r:id="rId7"/>
   </p:notesMasterIdLst>
   <p:sldIdLst>
     <p:sldId id="256" r:id="rId2"/>
@@ -13,7 +13,6 @@
     <p:sldId id="258" r:id="rId4"/>
     <p:sldId id="259" r:id="rId5"/>
     <p:sldId id="260" r:id="rId6"/>
-    <p:sldId id="261" r:id="rId7"/>
   </p:sldIdLst>
   <p:sldSz cx="9144000" cy="5143500" type="screen16x9"/>
   <p:notesSz cx="6858000" cy="9144000"/>
@@ -943,7 +942,7 @@
         </p:nvSpPr>
         <p:spPr>
           <a:xfrm>
-            <a:off x="381300" y="685800"/>
+            <a:off x="381000" y="685800"/>
             <a:ext cx="6096000" cy="3429000"/>
           </a:xfrm>
           <a:custGeom>
@@ -1047,7 +1046,7 @@
         </p:nvSpPr>
         <p:spPr>
           <a:xfrm>
-            <a:off x="381300" y="685800"/>
+            <a:off x="381000" y="685800"/>
             <a:ext cx="6096000" cy="3429000"/>
           </a:xfrm>
           <a:custGeom>
@@ -1151,7 +1150,7 @@
         </p:nvSpPr>
         <p:spPr>
           <a:xfrm>
-            <a:off x="381300" y="685800"/>
+            <a:off x="381000" y="685800"/>
             <a:ext cx="6096000" cy="3429000"/>
           </a:xfrm>
           <a:custGeom>
@@ -1183,110 +1182,6 @@
       <p:sp>
         <p:nvSpPr>
           <p:cNvPr id="75" name="Google Shape;75;g13c604a880c_0_16:notes"/>
-          <p:cNvSpPr txBox="1">
-            <a:spLocks noGrp="1"/>
-          </p:cNvSpPr>
-          <p:nvPr>
-            <p:ph type="body" idx="1"/>
-          </p:nvPr>
-        </p:nvSpPr>
-        <p:spPr>
-          <a:xfrm>
-            <a:off x="685800" y="4343400"/>
-            <a:ext cx="5486400" cy="4114800"/>
-          </a:xfrm>
-          <a:prstGeom prst="rect">
-            <a:avLst/>
-          </a:prstGeom>
-        </p:spPr>
-        <p:txBody>
-          <a:bodyPr spcFirstLastPara="1" wrap="square" lIns="91425" tIns="91425" rIns="91425" bIns="91425" anchor="t" anchorCtr="0">
-            <a:noAutofit/>
-          </a:bodyPr>
-          <a:lstStyle/>
-          <a:p>
-            <a:pPr marL="0" lvl="0" indent="0" algn="l" rtl="0">
-              <a:spcBef>
-                <a:spcPts val="0"/>
-              </a:spcBef>
-              <a:spcAft>
-                <a:spcPts val="0"/>
-              </a:spcAft>
-              <a:buNone/>
-            </a:pPr>
-            <a:endParaRPr/>
-          </a:p>
-        </p:txBody>
-      </p:sp>
-    </p:spTree>
-  </p:cSld>
-  <p:clrMapOvr>
-    <a:masterClrMapping/>
-  </p:clrMapOvr>
-</p:notes>
-</file>
-
-<file path=ppt/notesSlides/notesSlide6.xml><?xml version="1.0" encoding="utf-8"?>
-<p:notes xmlns:a="http://schemas.openxmlformats.org/drawingml/2006/main" xmlns:r="http://schemas.openxmlformats.org/officeDocument/2006/relationships" xmlns:p="http://schemas.openxmlformats.org/presentationml/2006/main" showMasterSp="0" showMasterPhAnim="0">
-  <p:cSld>
-    <p:spTree>
-      <p:nvGrpSpPr>
-        <p:cNvPr id="1" name="Shape 79"/>
-        <p:cNvGrpSpPr/>
-        <p:nvPr/>
-      </p:nvGrpSpPr>
-      <p:grpSpPr>
-        <a:xfrm>
-          <a:off x="0" y="0"/>
-          <a:ext cx="0" cy="0"/>
-          <a:chOff x="0" y="0"/>
-          <a:chExt cx="0" cy="0"/>
-        </a:xfrm>
-      </p:grpSpPr>
-      <p:sp>
-        <p:nvSpPr>
-          <p:cNvPr id="80" name="Google Shape;80;g13c6aa81bf7_0_0:notes"/>
-          <p:cNvSpPr>
-            <a:spLocks noGrp="1" noRot="1" noChangeAspect="1"/>
-          </p:cNvSpPr>
-          <p:nvPr>
-            <p:ph type="sldImg" idx="2"/>
-          </p:nvPr>
-        </p:nvSpPr>
-        <p:spPr>
-          <a:xfrm>
-            <a:off x="381300" y="685800"/>
-            <a:ext cx="6096000" cy="3429000"/>
-          </a:xfrm>
-          <a:custGeom>
-            <a:avLst/>
-            <a:gdLst/>
-            <a:ahLst/>
-            <a:cxnLst/>
-            <a:rect l="l" t="t" r="r" b="b"/>
-            <a:pathLst>
-              <a:path w="120000" h="120000" extrusionOk="0">
-                <a:moveTo>
-                  <a:pt x="0" y="0"/>
-                </a:moveTo>
-                <a:lnTo>
-                  <a:pt x="120000" y="0"/>
-                </a:lnTo>
-                <a:lnTo>
-                  <a:pt x="120000" y="120000"/>
-                </a:lnTo>
-                <a:lnTo>
-                  <a:pt x="0" y="120000"/>
-                </a:lnTo>
-                <a:close/>
-              </a:path>
-            </a:pathLst>
-          </a:custGeom>
-        </p:spPr>
-      </p:sp>
-      <p:sp>
-        <p:nvSpPr>
-          <p:cNvPr id="81" name="Google Shape;81;g13c6aa81bf7_0_0:notes"/>
           <p:cNvSpPr txBox="1">
             <a:spLocks noGrp="1"/>
           </p:cNvSpPr>
@@ -6378,8 +6273,8 @@
         </p:nvSpPr>
         <p:spPr>
           <a:xfrm>
-            <a:off x="311700" y="445025"/>
-            <a:ext cx="8520600" cy="572700"/>
+            <a:off x="311700" y="445024"/>
+            <a:ext cx="1882860" cy="1018015"/>
           </a:xfrm>
           <a:prstGeom prst="rect">
             <a:avLst/>
@@ -6401,13 +6296,50 @@
               <a:buNone/>
             </a:pPr>
             <a:r>
-              <a:rPr lang="en"/>
+              <a:rPr lang="en" dirty="0"/>
               <a:t>Storyboard</a:t>
             </a:r>
-            <a:endParaRPr/>
+            <a:br>
+              <a:rPr lang="en" dirty="0"/>
+            </a:br>
+            <a:r>
+              <a:rPr lang="en" dirty="0"/>
+              <a:t> Template</a:t>
+            </a:r>
+            <a:endParaRPr dirty="0"/>
           </a:p>
         </p:txBody>
       </p:sp>
+      <p:pic>
+        <p:nvPicPr>
+          <p:cNvPr id="3" name="Picture 2" descr="A picture containing diagram&#10;&#10;Description automatically generated">
+            <a:extLst>
+              <a:ext uri="{FF2B5EF4-FFF2-40B4-BE49-F238E27FC236}">
+                <a16:creationId xmlns:a16="http://schemas.microsoft.com/office/drawing/2014/main" id="{27957718-4FE8-1D49-615C-0329B173D2AD}"/>
+              </a:ext>
+            </a:extLst>
+          </p:cNvPr>
+          <p:cNvPicPr>
+            <a:picLocks noChangeAspect="1"/>
+          </p:cNvPicPr>
+          <p:nvPr/>
+        </p:nvPicPr>
+        <p:blipFill>
+          <a:blip r:embed="rId3"/>
+          <a:stretch>
+            <a:fillRect/>
+          </a:stretch>
+        </p:blipFill>
+        <p:spPr>
+          <a:xfrm>
+            <a:off x="2485230" y="0"/>
+            <a:ext cx="6658770" cy="5143500"/>
+          </a:xfrm>
+          <a:prstGeom prst="rect">
+            <a:avLst/>
+          </a:prstGeom>
+        </p:spPr>
+      </p:pic>
     </p:spTree>
   </p:cSld>
   <p:clrMapOvr>
@@ -6496,7 +6428,7 @@
         </p:spPr>
         <p:txBody>
           <a:bodyPr spcFirstLastPara="1" wrap="square" lIns="91425" tIns="91425" rIns="91425" bIns="91425" anchor="t" anchorCtr="0">
-            <a:normAutofit/>
+            <a:normAutofit fontScale="77500" lnSpcReduction="20000"/>
           </a:bodyPr>
           <a:lstStyle/>
           <a:p>
@@ -6509,7 +6441,122 @@
               </a:spcAft>
               <a:buNone/>
             </a:pPr>
-            <a:endParaRPr/>
+            <a:r>
+              <a:rPr lang="en-US" dirty="0"/>
+              <a:t>Tools Used:</a:t>
+            </a:r>
+          </a:p>
+          <a:p>
+            <a:pPr marL="285750" indent="-285750">
+              <a:spcAft>
+                <a:spcPts val="1200"/>
+              </a:spcAft>
+            </a:pPr>
+            <a:r>
+              <a:rPr lang="en-US" dirty="0"/>
+              <a:t>Excel – Raw data file saved as CSV for initial review</a:t>
+            </a:r>
+          </a:p>
+          <a:p>
+            <a:pPr marL="285750" indent="-285750">
+              <a:spcAft>
+                <a:spcPts val="1200"/>
+              </a:spcAft>
+            </a:pPr>
+            <a:r>
+              <a:rPr lang="en-US" dirty="0"/>
+              <a:t>Python – Initial Data Cleaning</a:t>
+            </a:r>
+          </a:p>
+          <a:p>
+            <a:pPr marL="285750" indent="-285750">
+              <a:spcAft>
+                <a:spcPts val="1200"/>
+              </a:spcAft>
+            </a:pPr>
+            <a:r>
+              <a:rPr lang="en-US" dirty="0"/>
+              <a:t>PG Admin, </a:t>
+            </a:r>
+            <a:r>
+              <a:rPr lang="en-US" dirty="0" err="1"/>
+              <a:t>PostgresSQL</a:t>
+            </a:r>
+            <a:r>
+              <a:rPr lang="en-US" dirty="0"/>
+              <a:t> – Table creation/ Storage</a:t>
+            </a:r>
+          </a:p>
+          <a:p>
+            <a:pPr marL="285750" indent="-285750">
+              <a:spcAft>
+                <a:spcPts val="1200"/>
+              </a:spcAft>
+            </a:pPr>
+            <a:r>
+              <a:rPr lang="en-US" dirty="0"/>
+              <a:t>Tableau - Dashboard</a:t>
+            </a:r>
+          </a:p>
+          <a:p>
+            <a:pPr marL="285750" indent="-285750">
+              <a:spcAft>
+                <a:spcPts val="1200"/>
+              </a:spcAft>
+            </a:pPr>
+            <a:r>
+              <a:rPr lang="en-US" dirty="0" err="1"/>
+              <a:t>Jupyter</a:t>
+            </a:r>
+            <a:r>
+              <a:rPr lang="en-US" dirty="0"/>
+              <a:t> Notebook – Machine Learning Model and Data Analysis</a:t>
+            </a:r>
+          </a:p>
+          <a:p>
+            <a:pPr marL="285750" indent="-285750">
+              <a:spcAft>
+                <a:spcPts val="1200"/>
+              </a:spcAft>
+            </a:pPr>
+            <a:r>
+              <a:rPr lang="en-US" dirty="0"/>
+              <a:t>AWS RDS – Data storage</a:t>
+            </a:r>
+          </a:p>
+          <a:p>
+            <a:pPr marL="285750" indent="-285750">
+              <a:spcAft>
+                <a:spcPts val="1200"/>
+              </a:spcAft>
+            </a:pPr>
+            <a:r>
+              <a:rPr lang="en-US" dirty="0" err="1"/>
+              <a:t>Github</a:t>
+            </a:r>
+            <a:r>
+              <a:rPr lang="en-US" dirty="0"/>
+              <a:t> – Project Files</a:t>
+            </a:r>
+          </a:p>
+          <a:p>
+            <a:pPr marL="285750" indent="-285750">
+              <a:spcAft>
+                <a:spcPts val="1200"/>
+              </a:spcAft>
+            </a:pPr>
+            <a:r>
+              <a:rPr lang="en-US" dirty="0"/>
+              <a:t>Google Slides – Project Presentation</a:t>
+            </a:r>
+          </a:p>
+          <a:p>
+            <a:pPr marL="285750" indent="-285750">
+              <a:spcAft>
+                <a:spcPts val="1200"/>
+              </a:spcAft>
+            </a:pPr>
+            <a:endParaRPr lang="en-US" dirty="0"/>
           </a:p>
         </p:txBody>
       </p:sp>
@@ -6573,10 +6620,10 @@
               <a:buNone/>
             </a:pPr>
             <a:r>
-              <a:rPr lang="en"/>
+              <a:rPr lang="en" dirty="0"/>
               <a:t>Description of Interactive Elements</a:t>
             </a:r>
-            <a:endParaRPr/>
+            <a:endParaRPr dirty="0"/>
           </a:p>
         </p:txBody>
       </p:sp>
@@ -6614,108 +6661,11 @@
               </a:spcAft>
               <a:buNone/>
             </a:pPr>
-            <a:endParaRPr/>
-          </a:p>
-        </p:txBody>
-      </p:sp>
-    </p:spTree>
-  </p:cSld>
-  <p:clrMapOvr>
-    <a:masterClrMapping/>
-  </p:clrMapOvr>
-</p:sld>
-</file>
-
-<file path=ppt/slides/slide6.xml><?xml version="1.0" encoding="utf-8"?>
-<p:sld xmlns:a="http://schemas.openxmlformats.org/drawingml/2006/main" xmlns:r="http://schemas.openxmlformats.org/officeDocument/2006/relationships" xmlns:p="http://schemas.openxmlformats.org/presentationml/2006/main">
-  <p:cSld>
-    <p:spTree>
-      <p:nvGrpSpPr>
-        <p:cNvPr id="1" name="Shape 82"/>
-        <p:cNvGrpSpPr/>
-        <p:nvPr/>
-      </p:nvGrpSpPr>
-      <p:grpSpPr>
-        <a:xfrm>
-          <a:off x="0" y="0"/>
-          <a:ext cx="0" cy="0"/>
-          <a:chOff x="0" y="0"/>
-          <a:chExt cx="0" cy="0"/>
-        </a:xfrm>
-      </p:grpSpPr>
-      <p:sp>
-        <p:nvSpPr>
-          <p:cNvPr id="83" name="Google Shape;83;p18"/>
-          <p:cNvSpPr txBox="1">
-            <a:spLocks noGrp="1"/>
-          </p:cNvSpPr>
-          <p:nvPr>
-            <p:ph type="title"/>
-          </p:nvPr>
-        </p:nvSpPr>
-        <p:spPr>
-          <a:xfrm>
-            <a:off x="311700" y="445025"/>
-            <a:ext cx="8520600" cy="572700"/>
-          </a:xfrm>
-          <a:prstGeom prst="rect">
-            <a:avLst/>
-          </a:prstGeom>
-        </p:spPr>
-        <p:txBody>
-          <a:bodyPr spcFirstLastPara="1" wrap="square" lIns="91425" tIns="91425" rIns="91425" bIns="91425" anchor="t" anchorCtr="0">
-            <a:normAutofit fontScale="90000"/>
-          </a:bodyPr>
-          <a:lstStyle/>
-          <a:p>
-            <a:pPr marL="0" lvl="0" indent="0" algn="l" rtl="0">
-              <a:spcBef>
-                <a:spcPts val="0"/>
-              </a:spcBef>
-              <a:spcAft>
-                <a:spcPts val="0"/>
-              </a:spcAft>
-              <a:buNone/>
-            </a:pPr>
-            <a:endParaRPr/>
-          </a:p>
-        </p:txBody>
-      </p:sp>
-      <p:sp>
-        <p:nvSpPr>
-          <p:cNvPr id="84" name="Google Shape;84;p18"/>
-          <p:cNvSpPr txBox="1">
-            <a:spLocks noGrp="1"/>
-          </p:cNvSpPr>
-          <p:nvPr>
-            <p:ph type="body" idx="1"/>
-          </p:nvPr>
-        </p:nvSpPr>
-        <p:spPr>
-          <a:xfrm>
-            <a:off x="311700" y="1152475"/>
-            <a:ext cx="8520600" cy="3416400"/>
-          </a:xfrm>
-          <a:prstGeom prst="rect">
-            <a:avLst/>
-          </a:prstGeom>
-        </p:spPr>
-        <p:txBody>
-          <a:bodyPr spcFirstLastPara="1" wrap="square" lIns="91425" tIns="91425" rIns="91425" bIns="91425" anchor="t" anchorCtr="0">
-            <a:normAutofit/>
-          </a:bodyPr>
-          <a:lstStyle/>
-          <a:p>
-            <a:pPr marL="0" lvl="0" indent="0" algn="l" rtl="0">
-              <a:spcBef>
-                <a:spcPts val="0"/>
-              </a:spcBef>
-              <a:spcAft>
-                <a:spcPts val="1200"/>
-              </a:spcAft>
-              <a:buNone/>
-            </a:pPr>
-            <a:endParaRPr/>
+            <a:r>
+              <a:rPr lang="en-US" dirty="0"/>
+              <a:t>The interactive element will be the heatmap of CO2 emissions. This will be a map with each country portrayed. You will be able to slide through the years 1990-2019 and see how CO2 emissions have changed over time. Red will be the most CO2 emissions, while blue will be the least CO2 emissions. The country colors will change as CO2 levels increase or decrease over time. </a:t>
+            </a:r>
+            <a:endParaRPr dirty="0"/>
           </a:p>
         </p:txBody>
       </p:sp>
